--- a/PPT_hackathon.pptx
+++ b/PPT_hackathon.pptx
@@ -5,31 +5,33 @@
     <p:sldMasterId id="2147483887" r:id="rId1"/>
   </p:sldMasterIdLst>
   <p:notesMasterIdLst>
-    <p:notesMasterId r:id="rId4"/>
+    <p:notesMasterId r:id="rId6"/>
   </p:notesMasterIdLst>
   <p:sldIdLst>
     <p:sldId id="298" r:id="rId2"/>
-    <p:sldId id="299" r:id="rId3"/>
+    <p:sldId id="301" r:id="rId3"/>
+    <p:sldId id="299" r:id="rId4"/>
+    <p:sldId id="300" r:id="rId5"/>
   </p:sldIdLst>
   <p:sldSz cx="12192000" cy="6858000"/>
   <p:notesSz cx="6858000" cy="9144000"/>
   <p:embeddedFontLst>
     <p:embeddedFont>
       <p:font typeface="Lato Black" panose="020B0604020202020204" charset="0"/>
-      <p:bold r:id="rId5"/>
-      <p:boldItalic r:id="rId6"/>
+      <p:bold r:id="rId7"/>
+      <p:boldItalic r:id="rId8"/>
     </p:embeddedFont>
     <p:embeddedFont>
       <p:font typeface="Calibri Light" panose="020F0302020204030204" pitchFamily="34" charset="0"/>
-      <p:regular r:id="rId7"/>
-      <p:italic r:id="rId8"/>
+      <p:regular r:id="rId9"/>
+      <p:italic r:id="rId10"/>
     </p:embeddedFont>
     <p:embeddedFont>
       <p:font typeface="Calibri" panose="020F0502020204030204" pitchFamily="34" charset="0"/>
-      <p:regular r:id="rId9"/>
-      <p:bold r:id="rId10"/>
-      <p:italic r:id="rId11"/>
-      <p:boldItalic r:id="rId12"/>
+      <p:regular r:id="rId11"/>
+      <p:bold r:id="rId12"/>
+      <p:italic r:id="rId13"/>
+      <p:boldItalic r:id="rId14"/>
     </p:embeddedFont>
   </p:embeddedFontLst>
   <p:defaultTextStyle>
@@ -136,7 +138,9 @@
         <p14:section name="Untitled Section" id="{DF1F2D12-950E-4551-A772-EA5791A2EAE0}">
           <p14:sldIdLst>
             <p14:sldId id="298"/>
+            <p14:sldId id="301"/>
             <p14:sldId id="299"/>
+            <p14:sldId id="300"/>
           </p14:sldIdLst>
         </p14:section>
       </p14:sectionLst>
@@ -145,7 +149,7 @@
       <p15:sldGuideLst xmlns:p15="http://schemas.microsoft.com/office/powerpoint/2012/main"/>
     </p:ext>
     <p:ext uri="http://customooxmlschemas.google.com/">
-      <go:slidesCustomData xmlns="" xmlns:mc="http://schemas.openxmlformats.org/markup-compatibility/2006" xmlns:mv="urn:schemas-microsoft-com:mac:vml" xmlns:c="http://schemas.openxmlformats.org/drawingml/2006/chart" xmlns:dgm="http://schemas.openxmlformats.org/drawingml/2006/diagram" xmlns:o="urn:schemas-microsoft-com:office:office" xmlns:v="urn:schemas-microsoft-com:vml" xmlns:pvml="urn:schemas-microsoft-com:office:powerpoint" xmlns:com="http://schemas.openxmlformats.org/drawingml/2006/compatibility" xmlns:p14="http://schemas.microsoft.com/office/powerpoint/2010/main" xmlns:p15="http://schemas.microsoft.com/office/powerpoint/2012/main" xmlns:ahyp="http://schemas.microsoft.com/office/drawing/2018/hyperlinkcolor" xmlns:go="http://customooxmlschemas.google.com/" r:id="rId41" roundtripDataSignature="AMtx7mhnFQsu0qTBRZ+C47HNp0tuHCNkog=="/>
+      <go:slidesCustomData xmlns:go="http://customooxmlschemas.google.com/" xmlns:ahyp="http://schemas.microsoft.com/office/drawing/2018/hyperlinkcolor" xmlns:p15="http://schemas.microsoft.com/office/powerpoint/2012/main" xmlns:p14="http://schemas.microsoft.com/office/powerpoint/2010/main" xmlns:com="http://schemas.openxmlformats.org/drawingml/2006/compatibility" xmlns:pvml="urn:schemas-microsoft-com:office:powerpoint" xmlns:v="urn:schemas-microsoft-com:vml" xmlns:o="urn:schemas-microsoft-com:office:office" xmlns:dgm="http://schemas.openxmlformats.org/drawingml/2006/diagram" xmlns:c="http://schemas.openxmlformats.org/drawingml/2006/chart" xmlns:mv="urn:schemas-microsoft-com:mac:vml" xmlns:mc="http://schemas.openxmlformats.org/markup-compatibility/2006" xmlns="" r:id="rId41" roundtripDataSignature="AMtx7mhnFQsu0qTBRZ+C47HNp0tuHCNkog=="/>
     </p:ext>
   </p:extLst>
 </p:presentation>
@@ -4709,6 +4713,328 @@
       </p:grpSpPr>
       <p:sp>
         <p:nvSpPr>
+          <p:cNvPr id="2" name="Title 1"/>
+          <p:cNvSpPr>
+            <a:spLocks noGrp="1"/>
+          </p:cNvSpPr>
+          <p:nvPr>
+            <p:ph type="title"/>
+          </p:nvPr>
+        </p:nvSpPr>
+        <p:spPr/>
+        <p:txBody>
+          <a:bodyPr>
+            <a:normAutofit/>
+          </a:bodyPr>
+          <a:lstStyle/>
+          <a:p>
+            <a:r>
+              <a:rPr lang="en-US" sz="3600" b="1" dirty="0"/>
+              <a:t>I</a:t>
+            </a:r>
+            <a:r>
+              <a:rPr lang="en-US" sz="3600" b="1" dirty="0" smtClean="0"/>
+              <a:t>mporting Libraries</a:t>
+            </a:r>
+            <a:endParaRPr lang="en-IN" sz="3600" b="1" dirty="0"/>
+          </a:p>
+        </p:txBody>
+      </p:sp>
+      <p:sp>
+        <p:nvSpPr>
+          <p:cNvPr id="3" name="Content Placeholder 2"/>
+          <p:cNvSpPr>
+            <a:spLocks noGrp="1"/>
+          </p:cNvSpPr>
+          <p:nvPr>
+            <p:ph idx="1"/>
+          </p:nvPr>
+        </p:nvSpPr>
+        <p:spPr>
+          <a:xfrm>
+            <a:off x="838200" y="1260764"/>
+            <a:ext cx="10515600" cy="4916199"/>
+          </a:xfrm>
+        </p:spPr>
+        <p:txBody>
+          <a:bodyPr>
+            <a:normAutofit fontScale="92500" lnSpcReduction="10000"/>
+          </a:bodyPr>
+          <a:lstStyle/>
+          <a:p>
+            <a:r>
+              <a:rPr lang="en-IN" sz="2200" dirty="0"/>
+              <a:t>import </a:t>
+            </a:r>
+            <a:r>
+              <a:rPr lang="en-IN" sz="2200" dirty="0" err="1"/>
+              <a:t>numpy</a:t>
+            </a:r>
+            <a:r>
+              <a:rPr lang="en-IN" sz="2200" dirty="0"/>
+              <a:t> as np </a:t>
+            </a:r>
+          </a:p>
+          <a:p>
+            <a:r>
+              <a:rPr lang="en-IN" sz="2200" dirty="0"/>
+              <a:t>import pandas as </a:t>
+            </a:r>
+            <a:r>
+              <a:rPr lang="en-IN" sz="2200" dirty="0" err="1"/>
+              <a:t>pd</a:t>
+            </a:r>
+            <a:endParaRPr lang="en-IN" sz="2200" dirty="0"/>
+          </a:p>
+          <a:p>
+            <a:r>
+              <a:rPr lang="en-IN" sz="2200" dirty="0"/>
+              <a:t>from </a:t>
+            </a:r>
+            <a:r>
+              <a:rPr lang="en-IN" sz="2200" dirty="0" err="1"/>
+              <a:t>sklearn.model_selection</a:t>
+            </a:r>
+            <a:r>
+              <a:rPr lang="en-IN" sz="2200" dirty="0"/>
+              <a:t> import </a:t>
+            </a:r>
+            <a:r>
+              <a:rPr lang="en-IN" sz="2200" dirty="0" err="1"/>
+              <a:t>train_test_split</a:t>
+            </a:r>
+            <a:endParaRPr lang="en-IN" sz="2200" dirty="0"/>
+          </a:p>
+          <a:p>
+            <a:r>
+              <a:rPr lang="en-IN" sz="2200" dirty="0"/>
+              <a:t>from </a:t>
+            </a:r>
+            <a:r>
+              <a:rPr lang="en-IN" sz="2200" dirty="0" err="1"/>
+              <a:t>sklearn.preprocessing</a:t>
+            </a:r>
+            <a:r>
+              <a:rPr lang="en-IN" sz="2200" dirty="0"/>
+              <a:t> import </a:t>
+            </a:r>
+            <a:r>
+              <a:rPr lang="en-IN" sz="2200" dirty="0" err="1" smtClean="0"/>
+              <a:t>OneHotEncoder,StandardScaler</a:t>
+            </a:r>
+            <a:endParaRPr lang="en-IN" sz="2200" dirty="0" smtClean="0"/>
+          </a:p>
+          <a:p>
+            <a:r>
+              <a:rPr lang="en-US" sz="2200" dirty="0"/>
+              <a:t>import </a:t>
+            </a:r>
+            <a:r>
+              <a:rPr lang="en-US" sz="2200" dirty="0" err="1"/>
+              <a:t>matplotlib.pyplot</a:t>
+            </a:r>
+            <a:r>
+              <a:rPr lang="en-US" sz="2200" dirty="0"/>
+              <a:t> as </a:t>
+            </a:r>
+            <a:r>
+              <a:rPr lang="en-US" sz="2200" dirty="0" err="1"/>
+              <a:t>plt</a:t>
+            </a:r>
+            <a:endParaRPr lang="en-US" sz="2200" dirty="0"/>
+          </a:p>
+          <a:p>
+            <a:r>
+              <a:rPr lang="en-US" sz="2200" dirty="0"/>
+              <a:t>import </a:t>
+            </a:r>
+            <a:r>
+              <a:rPr lang="en-US" sz="2200" dirty="0" err="1"/>
+              <a:t>seaborn</a:t>
+            </a:r>
+            <a:r>
+              <a:rPr lang="en-US" sz="2200" dirty="0"/>
+              <a:t> as </a:t>
+            </a:r>
+            <a:r>
+              <a:rPr lang="en-US" sz="2200" dirty="0" err="1" smtClean="0"/>
+              <a:t>sns</a:t>
+            </a:r>
+            <a:endParaRPr lang="en-US" sz="2200" dirty="0" smtClean="0"/>
+          </a:p>
+          <a:p>
+            <a:r>
+              <a:rPr lang="en-IN" sz="2200" dirty="0"/>
+              <a:t>from </a:t>
+            </a:r>
+            <a:r>
+              <a:rPr lang="en-IN" sz="2200" dirty="0" err="1"/>
+              <a:t>sklearn.tree</a:t>
+            </a:r>
+            <a:r>
+              <a:rPr lang="en-IN" sz="2200" dirty="0"/>
+              <a:t> import  </a:t>
+            </a:r>
+            <a:r>
+              <a:rPr lang="en-IN" sz="2200" dirty="0" err="1" smtClean="0"/>
+              <a:t>DecisionTreeClassifier</a:t>
+            </a:r>
+            <a:endParaRPr lang="en-IN" sz="2200" dirty="0" smtClean="0"/>
+          </a:p>
+          <a:p>
+            <a:r>
+              <a:rPr lang="en-IN" sz="2200" dirty="0"/>
+              <a:t>from </a:t>
+            </a:r>
+            <a:r>
+              <a:rPr lang="en-IN" sz="2200" dirty="0" err="1"/>
+              <a:t>sklearn.linear_model</a:t>
+            </a:r>
+            <a:r>
+              <a:rPr lang="en-IN" sz="2200" dirty="0"/>
+              <a:t> import </a:t>
+            </a:r>
+            <a:r>
+              <a:rPr lang="en-IN" sz="2200" dirty="0" err="1"/>
+              <a:t>LogisticRegression</a:t>
+            </a:r>
+            <a:r>
+              <a:rPr lang="en-IN" sz="2200" dirty="0"/>
+              <a:t> </a:t>
+            </a:r>
+            <a:endParaRPr lang="en-IN" sz="2200" dirty="0" smtClean="0"/>
+          </a:p>
+          <a:p>
+            <a:r>
+              <a:rPr lang="en-IN" sz="2200" dirty="0"/>
+              <a:t>from </a:t>
+            </a:r>
+            <a:r>
+              <a:rPr lang="en-IN" sz="2200" dirty="0" err="1"/>
+              <a:t>sklearn.ensemble</a:t>
+            </a:r>
+            <a:r>
+              <a:rPr lang="en-IN" sz="2200" dirty="0"/>
+              <a:t> import  </a:t>
+            </a:r>
+            <a:r>
+              <a:rPr lang="en-IN" sz="2200" dirty="0" err="1" smtClean="0"/>
+              <a:t>RandomForestClassifier</a:t>
+            </a:r>
+            <a:endParaRPr lang="en-IN" sz="2200" dirty="0" smtClean="0"/>
+          </a:p>
+          <a:p>
+            <a:r>
+              <a:rPr lang="en-IN" sz="2200" dirty="0"/>
+              <a:t>from </a:t>
+            </a:r>
+            <a:r>
+              <a:rPr lang="en-IN" sz="2200" dirty="0" err="1"/>
+              <a:t>sklearn.neighbors</a:t>
+            </a:r>
+            <a:r>
+              <a:rPr lang="en-IN" sz="2200" dirty="0"/>
+              <a:t> import </a:t>
+            </a:r>
+            <a:r>
+              <a:rPr lang="en-IN" sz="2200" dirty="0" err="1" smtClean="0"/>
+              <a:t>KNeighborsClassifier</a:t>
+            </a:r>
+            <a:endParaRPr lang="en-IN" sz="2200" dirty="0" smtClean="0"/>
+          </a:p>
+          <a:p>
+            <a:r>
+              <a:rPr lang="en-IN" sz="2200" dirty="0"/>
+              <a:t>from </a:t>
+            </a:r>
+            <a:r>
+              <a:rPr lang="en-IN" sz="2200" dirty="0" err="1"/>
+              <a:t>sklearn.svm</a:t>
+            </a:r>
+            <a:r>
+              <a:rPr lang="en-IN" sz="2200" dirty="0"/>
+              <a:t> import </a:t>
+            </a:r>
+            <a:r>
+              <a:rPr lang="en-IN" sz="2200" dirty="0" smtClean="0"/>
+              <a:t>SVC</a:t>
+            </a:r>
+          </a:p>
+          <a:p>
+            <a:r>
+              <a:rPr lang="en-IN" sz="2200" dirty="0"/>
+              <a:t>from </a:t>
+            </a:r>
+            <a:r>
+              <a:rPr lang="en-IN" sz="2200" dirty="0" err="1"/>
+              <a:t>sklearn.naive_bayes</a:t>
+            </a:r>
+            <a:r>
+              <a:rPr lang="en-IN" sz="2200" dirty="0"/>
+              <a:t> import </a:t>
+            </a:r>
+            <a:r>
+              <a:rPr lang="en-IN" sz="2200" dirty="0" err="1"/>
+              <a:t>GaussianNB</a:t>
+            </a:r>
+            <a:endParaRPr lang="en-IN" sz="2200" dirty="0"/>
+          </a:p>
+          <a:p>
+            <a:r>
+              <a:rPr lang="en-IN" sz="2200" dirty="0"/>
+              <a:t>from </a:t>
+            </a:r>
+            <a:r>
+              <a:rPr lang="en-IN" sz="2200" dirty="0" err="1"/>
+              <a:t>sklearn.metrics</a:t>
+            </a:r>
+            <a:r>
+              <a:rPr lang="en-IN" sz="2200" dirty="0"/>
+              <a:t> import </a:t>
+            </a:r>
+            <a:r>
+              <a:rPr lang="en-IN" sz="2200" dirty="0" err="1" smtClean="0"/>
+              <a:t>accuracy_score</a:t>
+            </a:r>
+            <a:endParaRPr lang="en-IN" sz="2200" dirty="0" smtClean="0"/>
+          </a:p>
+          <a:p>
+            <a:endParaRPr lang="en-IN" sz="2200" dirty="0"/>
+          </a:p>
+        </p:txBody>
+      </p:sp>
+    </p:spTree>
+    <p:extLst>
+      <p:ext uri="{BB962C8B-B14F-4D97-AF65-F5344CB8AC3E}">
+        <p14:creationId xmlns:p14="http://schemas.microsoft.com/office/powerpoint/2010/main" val="751285383"/>
+      </p:ext>
+    </p:extLst>
+  </p:cSld>
+  <p:clrMapOvr>
+    <a:masterClrMapping/>
+  </p:clrMapOvr>
+</p:sld>
+</file>
+
+<file path=ppt/slides/slide3.xml><?xml version="1.0" encoding="utf-8"?>
+<p:sld xmlns:a="http://schemas.openxmlformats.org/drawingml/2006/main" xmlns:r="http://schemas.openxmlformats.org/officeDocument/2006/relationships" xmlns:p="http://schemas.openxmlformats.org/presentationml/2006/main">
+  <p:cSld>
+    <p:spTree>
+      <p:nvGrpSpPr>
+        <p:cNvPr id="1" name=""/>
+        <p:cNvGrpSpPr/>
+        <p:nvPr/>
+      </p:nvGrpSpPr>
+      <p:grpSpPr>
+        <a:xfrm>
+          <a:off x="0" y="0"/>
+          <a:ext cx="0" cy="0"/>
+          <a:chOff x="0" y="0"/>
+          <a:chExt cx="0" cy="0"/>
+        </a:xfrm>
+      </p:grpSpPr>
+      <p:sp>
+        <p:nvSpPr>
           <p:cNvPr id="3" name="Content Placeholder 2"/>
           <p:cNvSpPr>
             <a:spLocks noGrp="1"/>
@@ -4892,6 +5218,135 @@
     <p:extLst>
       <p:ext uri="{BB962C8B-B14F-4D97-AF65-F5344CB8AC3E}">
         <p14:creationId xmlns:p14="http://schemas.microsoft.com/office/powerpoint/2010/main" val="2434201030"/>
+      </p:ext>
+    </p:extLst>
+  </p:cSld>
+  <p:clrMapOvr>
+    <a:masterClrMapping/>
+  </p:clrMapOvr>
+</p:sld>
+</file>
+
+<file path=ppt/slides/slide4.xml><?xml version="1.0" encoding="utf-8"?>
+<p:sld xmlns:a="http://schemas.openxmlformats.org/drawingml/2006/main" xmlns:r="http://schemas.openxmlformats.org/officeDocument/2006/relationships" xmlns:p="http://schemas.openxmlformats.org/presentationml/2006/main">
+  <p:cSld>
+    <p:spTree>
+      <p:nvGrpSpPr>
+        <p:cNvPr id="1" name=""/>
+        <p:cNvGrpSpPr/>
+        <p:nvPr/>
+      </p:nvGrpSpPr>
+      <p:grpSpPr>
+        <a:xfrm>
+          <a:off x="0" y="0"/>
+          <a:ext cx="0" cy="0"/>
+          <a:chOff x="0" y="0"/>
+          <a:chExt cx="0" cy="0"/>
+        </a:xfrm>
+      </p:grpSpPr>
+      <p:sp>
+        <p:nvSpPr>
+          <p:cNvPr id="2" name="Title 1"/>
+          <p:cNvSpPr>
+            <a:spLocks noGrp="1"/>
+          </p:cNvSpPr>
+          <p:nvPr>
+            <p:ph type="title"/>
+          </p:nvPr>
+        </p:nvSpPr>
+        <p:spPr/>
+        <p:txBody>
+          <a:bodyPr>
+            <a:normAutofit/>
+          </a:bodyPr>
+          <a:lstStyle/>
+          <a:p>
+            <a:r>
+              <a:rPr lang="en-US" sz="3600" b="1" dirty="0" smtClean="0"/>
+              <a:t>Conclusion:</a:t>
+            </a:r>
+            <a:endParaRPr lang="en-IN" sz="3600" b="1" dirty="0"/>
+          </a:p>
+        </p:txBody>
+      </p:sp>
+      <p:sp>
+        <p:nvSpPr>
+          <p:cNvPr id="3" name="Content Placeholder 2"/>
+          <p:cNvSpPr>
+            <a:spLocks noGrp="1"/>
+          </p:cNvSpPr>
+          <p:nvPr>
+            <p:ph idx="1"/>
+          </p:nvPr>
+        </p:nvSpPr>
+        <p:spPr/>
+        <p:txBody>
+          <a:bodyPr/>
+          <a:lstStyle/>
+          <a:p>
+            <a:pPr marL="0" indent="0">
+              <a:buNone/>
+            </a:pPr>
+            <a:r>
+              <a:rPr lang="en-US" sz="2200" dirty="0"/>
+              <a:t>The customer churn prediction project successfully </a:t>
+            </a:r>
+            <a:r>
+              <a:rPr lang="en-US" sz="2200" dirty="0" err="1" smtClean="0"/>
+              <a:t>indentified</a:t>
+            </a:r>
+            <a:r>
+              <a:rPr lang="en-US" sz="2200" dirty="0" smtClean="0"/>
+              <a:t> </a:t>
+            </a:r>
+            <a:r>
+              <a:rPr lang="en-US" sz="2200" dirty="0"/>
+              <a:t>key indicators of churn</a:t>
+            </a:r>
+            <a:r>
+              <a:rPr lang="en-US" sz="2200" dirty="0" smtClean="0"/>
+              <a:t>, enabling </a:t>
+            </a:r>
+            <a:r>
+              <a:rPr lang="en-US" sz="2200" dirty="0"/>
+              <a:t>proactive </a:t>
+            </a:r>
+            <a:r>
+              <a:rPr lang="en-US" sz="2200" dirty="0" err="1"/>
+              <a:t>retension</a:t>
+            </a:r>
+            <a:r>
+              <a:rPr lang="en-US" sz="2200" dirty="0"/>
+              <a:t> strategies. By implementing the model, the company can now target-risk customers more effectively</a:t>
+            </a:r>
+            <a:r>
+              <a:rPr lang="en-US" sz="2200" dirty="0" smtClean="0"/>
+              <a:t>, reaching </a:t>
+            </a:r>
+            <a:r>
+              <a:rPr lang="en-US" sz="2200" dirty="0"/>
+              <a:t>churn rates and improving overall customer </a:t>
+            </a:r>
+            <a:r>
+              <a:rPr lang="en-US" sz="2200" dirty="0" smtClean="0"/>
+              <a:t>satisfaction. This </a:t>
+            </a:r>
+            <a:r>
+              <a:rPr lang="en-US" sz="2200" dirty="0"/>
+              <a:t>data-driven approach fosters long-term business growth and stability</a:t>
+            </a:r>
+            <a:r>
+              <a:rPr lang="en-US" dirty="0"/>
+              <a:t>.</a:t>
+            </a:r>
+            <a:endParaRPr lang="en-IN" dirty="0"/>
+          </a:p>
+        </p:txBody>
+      </p:sp>
+    </p:spTree>
+    <p:extLst>
+      <p:ext uri="{BB962C8B-B14F-4D97-AF65-F5344CB8AC3E}">
+        <p14:creationId xmlns:p14="http://schemas.microsoft.com/office/powerpoint/2010/main" val="3828525511"/>
       </p:ext>
     </p:extLst>
   </p:cSld>
